--- a/220527_7기_서울_4반_관통_PJT_정승윤_이규민.pptx
+++ b/220527_7기_서울_4반_관통_PJT_정승윤_이규민.pptx
@@ -6230,6 +6230,41 @@
           </a:p>
         </p:txBody>
       </p:sp>
+      <p:pic>
+        <p:nvPicPr>
+          <p:cNvPr id="5" name="그림 4">
+            <a:extLst>
+              <a:ext uri="{FF2B5EF4-FFF2-40B4-BE49-F238E27FC236}">
+                <a16:creationId xmlns:a16="http://schemas.microsoft.com/office/drawing/2014/main" id="{EC7D8FFB-7C3B-937B-4C74-F4D4E6885287}"/>
+              </a:ext>
+            </a:extLst>
+          </p:cNvPr>
+          <p:cNvPicPr>
+            <a:picLocks noChangeAspect="1"/>
+          </p:cNvPicPr>
+          <p:nvPr/>
+        </p:nvPicPr>
+        <p:blipFill>
+          <a:blip r:embed="rId3"/>
+          <a:stretch>
+            <a:fillRect/>
+          </a:stretch>
+        </p:blipFill>
+        <p:spPr>
+          <a:xfrm>
+            <a:off x="6679530" y="1651834"/>
+            <a:ext cx="4692309" cy="4562993"/>
+          </a:xfrm>
+          <a:prstGeom prst="rect">
+            <a:avLst/>
+          </a:prstGeom>
+          <a:ln>
+            <a:solidFill>
+              <a:schemeClr val="tx1"/>
+            </a:solidFill>
+          </a:ln>
+        </p:spPr>
+      </p:pic>
     </p:spTree>
     <p:extLst>
       <p:ext uri="{BB962C8B-B14F-4D97-AF65-F5344CB8AC3E}">
@@ -6568,19 +6603,17 @@
       </p:sp>
       <p:pic>
         <p:nvPicPr>
-          <p:cNvPr id="4" name="내용 개체 틀 3">
+          <p:cNvPr id="5" name="그림 4">
             <a:extLst>
               <a:ext uri="{FF2B5EF4-FFF2-40B4-BE49-F238E27FC236}">
-                <a16:creationId xmlns:a16="http://schemas.microsoft.com/office/drawing/2014/main" id="{6C3245B8-34A7-FAC5-C203-4A199D89746B}"/>
+                <a16:creationId xmlns:a16="http://schemas.microsoft.com/office/drawing/2014/main" id="{D2A9F7CC-4CFE-9C91-12E7-1C9E01523CE9}"/>
               </a:ext>
             </a:extLst>
           </p:cNvPr>
           <p:cNvPicPr>
-            <a:picLocks noGrp="1" noChangeAspect="1"/>
+            <a:picLocks noChangeAspect="1"/>
           </p:cNvPicPr>
-          <p:nvPr>
-            <p:ph idx="1"/>
-          </p:nvPr>
+          <p:nvPr/>
         </p:nvPicPr>
         <p:blipFill>
           <a:blip r:embed="rId2"/>
@@ -6590,8 +6623,43 @@
         </p:blipFill>
         <p:spPr>
           <a:xfrm>
-            <a:off x="1371600" y="1899920"/>
-            <a:ext cx="4003040" cy="4091234"/>
+            <a:off x="6656437" y="1899919"/>
+            <a:ext cx="4849999" cy="4091235"/>
+          </a:xfrm>
+          <a:prstGeom prst="rect">
+            <a:avLst/>
+          </a:prstGeom>
+          <a:ln>
+            <a:solidFill>
+              <a:schemeClr val="tx1"/>
+            </a:solidFill>
+          </a:ln>
+        </p:spPr>
+      </p:pic>
+      <p:pic>
+        <p:nvPicPr>
+          <p:cNvPr id="11" name="그림 10">
+            <a:extLst>
+              <a:ext uri="{FF2B5EF4-FFF2-40B4-BE49-F238E27FC236}">
+                <a16:creationId xmlns:a16="http://schemas.microsoft.com/office/drawing/2014/main" id="{1F5D0AE4-FAD8-E008-BDB6-95C0C4C61FA7}"/>
+              </a:ext>
+            </a:extLst>
+          </p:cNvPr>
+          <p:cNvPicPr>
+            <a:picLocks noChangeAspect="1"/>
+          </p:cNvPicPr>
+          <p:nvPr/>
+        </p:nvPicPr>
+        <p:blipFill>
+          <a:blip r:embed="rId3"/>
+          <a:stretch>
+            <a:fillRect/>
+          </a:stretch>
+        </p:blipFill>
+        <p:spPr>
+          <a:xfrm>
+            <a:off x="1494299" y="1899919"/>
+            <a:ext cx="4162844" cy="4091235"/>
           </a:xfrm>
           <a:prstGeom prst="rect">
             <a:avLst/>
@@ -6851,7 +6919,12 @@
             <p:ph idx="1"/>
           </p:nvPr>
         </p:nvSpPr>
-        <p:spPr/>
+        <p:spPr>
+          <a:xfrm>
+            <a:off x="6096000" y="1713230"/>
+            <a:ext cx="5262880" cy="4077970"/>
+          </a:xfrm>
+        </p:spPr>
         <p:txBody>
           <a:bodyPr/>
           <a:lstStyle/>
@@ -6865,6 +6938,36 @@
           </a:p>
         </p:txBody>
       </p:sp>
+      <p:pic>
+        <p:nvPicPr>
+          <p:cNvPr id="7" name="그림 6">
+            <a:extLst>
+              <a:ext uri="{FF2B5EF4-FFF2-40B4-BE49-F238E27FC236}">
+                <a16:creationId xmlns:a16="http://schemas.microsoft.com/office/drawing/2014/main" id="{82B19DA8-C7D2-4E27-867C-A1CDFCBF198B}"/>
+              </a:ext>
+            </a:extLst>
+          </p:cNvPr>
+          <p:cNvPicPr>
+            <a:picLocks noChangeAspect="1"/>
+          </p:cNvPicPr>
+          <p:nvPr/>
+        </p:nvPicPr>
+        <p:blipFill>
+          <a:blip r:embed="rId2"/>
+          <a:stretch>
+            <a:fillRect/>
+          </a:stretch>
+        </p:blipFill>
+        <p:spPr>
+          <a:xfrm>
+            <a:off x="1581148" y="1713230"/>
+            <a:ext cx="4849150" cy="4801815"/>
+          </a:xfrm>
+          <a:prstGeom prst="rect">
+            <a:avLst/>
+          </a:prstGeom>
+        </p:spPr>
+      </p:pic>
     </p:spTree>
     <p:extLst>
       <p:ext uri="{BB962C8B-B14F-4D97-AF65-F5344CB8AC3E}">
@@ -6950,20 +7053,8 @@
               </a:lnSpc>
             </a:pPr>
             <a:r>
-              <a:rPr lang="en-US" altLang="ko-KR" dirty="0"/>
-              <a:t>State</a:t>
-            </a:r>
-            <a:r>
               <a:rPr lang="ko-KR" altLang="en-US" dirty="0"/>
-              <a:t>의 상태가 없어지는 상황이 가끔 발생하는데</a:t>
-            </a:r>
-            <a:r>
-              <a:rPr lang="en-US" altLang="ko-KR" dirty="0"/>
-              <a:t>,</a:t>
-            </a:r>
-            <a:r>
-              <a:rPr lang="ko-KR" altLang="en-US" dirty="0"/>
-              <a:t> 상태가 유지되도록 수정</a:t>
+              <a:t>결재시스템 추가</a:t>
             </a:r>
             <a:endParaRPr lang="en-US" altLang="ko-KR" dirty="0"/>
           </a:p>

--- a/220527_7기_서울_4반_관통_PJT_정승윤_이규민.pptx
+++ b/220527_7기_서울_4반_관통_PJT_정승윤_이규민.pptx
@@ -9,22 +9,23 @@
     <p:sldId id="257" r:id="rId3"/>
     <p:sldId id="258" r:id="rId4"/>
     <p:sldId id="259" r:id="rId5"/>
-    <p:sldId id="270" r:id="rId6"/>
-    <p:sldId id="271" r:id="rId7"/>
-    <p:sldId id="265" r:id="rId8"/>
-    <p:sldId id="260" r:id="rId9"/>
-    <p:sldId id="266" r:id="rId10"/>
-    <p:sldId id="261" r:id="rId11"/>
-    <p:sldId id="269" r:id="rId12"/>
-    <p:sldId id="268" r:id="rId13"/>
-    <p:sldId id="273" r:id="rId14"/>
-    <p:sldId id="274" r:id="rId15"/>
-    <p:sldId id="275" r:id="rId16"/>
-    <p:sldId id="267" r:id="rId17"/>
-    <p:sldId id="276" r:id="rId18"/>
-    <p:sldId id="277" r:id="rId19"/>
-    <p:sldId id="263" r:id="rId20"/>
-    <p:sldId id="264" r:id="rId21"/>
+    <p:sldId id="278" r:id="rId6"/>
+    <p:sldId id="270" r:id="rId7"/>
+    <p:sldId id="271" r:id="rId8"/>
+    <p:sldId id="265" r:id="rId9"/>
+    <p:sldId id="260" r:id="rId10"/>
+    <p:sldId id="266" r:id="rId11"/>
+    <p:sldId id="261" r:id="rId12"/>
+    <p:sldId id="269" r:id="rId13"/>
+    <p:sldId id="268" r:id="rId14"/>
+    <p:sldId id="273" r:id="rId15"/>
+    <p:sldId id="274" r:id="rId16"/>
+    <p:sldId id="275" r:id="rId17"/>
+    <p:sldId id="267" r:id="rId18"/>
+    <p:sldId id="276" r:id="rId19"/>
+    <p:sldId id="277" r:id="rId20"/>
+    <p:sldId id="263" r:id="rId21"/>
+    <p:sldId id="264" r:id="rId22"/>
   </p:sldIdLst>
   <p:sldSz cx="12192000" cy="6858000"/>
   <p:notesSz cx="6858000" cy="9144000"/>
@@ -5295,97 +5296,50 @@
           <a:lstStyle/>
           <a:p>
             <a:r>
+              <a:rPr lang="en-US" altLang="ko-KR" b="1" dirty="0"/>
+              <a:t>Vue </a:t>
+            </a:r>
+            <a:r>
               <a:rPr lang="ko-KR" altLang="en-US" b="1" dirty="0"/>
-              <a:t>서비스 소개</a:t>
-            </a:r>
-          </a:p>
-        </p:txBody>
-      </p:sp>
-      <p:sp>
-        <p:nvSpPr>
-          <p:cNvPr id="3" name="내용 개체 틀 2">
+              <a:t>컴포넌트 구성</a:t>
+            </a:r>
+          </a:p>
+        </p:txBody>
+      </p:sp>
+      <p:pic>
+        <p:nvPicPr>
+          <p:cNvPr id="7" name="그림 6">
             <a:extLst>
               <a:ext uri="{FF2B5EF4-FFF2-40B4-BE49-F238E27FC236}">
-                <a16:creationId xmlns:a16="http://schemas.microsoft.com/office/drawing/2014/main" id="{3BD8C4BC-3C6B-1923-9E2E-AB7646DCB78D}"/>
+                <a16:creationId xmlns:a16="http://schemas.microsoft.com/office/drawing/2014/main" id="{73EACDD4-2F76-7109-3D7A-060655DC2A95}"/>
               </a:ext>
             </a:extLst>
           </p:cNvPr>
-          <p:cNvSpPr>
-            <a:spLocks noGrp="1"/>
-          </p:cNvSpPr>
-          <p:nvPr>
-            <p:ph idx="1"/>
-          </p:nvPr>
-        </p:nvSpPr>
+          <p:cNvPicPr>
+            <a:picLocks noChangeAspect="1"/>
+          </p:cNvPicPr>
+          <p:nvPr/>
+        </p:nvPicPr>
+        <p:blipFill>
+          <a:blip r:embed="rId2"/>
+          <a:stretch>
+            <a:fillRect/>
+          </a:stretch>
+        </p:blipFill>
         <p:spPr>
           <a:xfrm>
-            <a:off x="1371600" y="2171700"/>
-            <a:ext cx="9601200" cy="3581400"/>
+            <a:off x="1371600" y="1428750"/>
+            <a:ext cx="6217660" cy="4804555"/>
           </a:xfrm>
+          <a:prstGeom prst="rect">
+            <a:avLst/>
+          </a:prstGeom>
         </p:spPr>
-        <p:txBody>
-          <a:bodyPr/>
-          <a:lstStyle/>
-          <a:p>
-            <a:pPr>
-              <a:lnSpc>
-                <a:spcPct val="150000"/>
-              </a:lnSpc>
-            </a:pPr>
-            <a:r>
-              <a:rPr lang="en-US" altLang="ko-KR" dirty="0"/>
-              <a:t>Community</a:t>
-            </a:r>
-          </a:p>
-          <a:p>
-            <a:pPr>
-              <a:lnSpc>
-                <a:spcPct val="150000"/>
-              </a:lnSpc>
-            </a:pPr>
-            <a:r>
-              <a:rPr lang="ko-KR" altLang="en-US" dirty="0"/>
-              <a:t>추천 서비스</a:t>
-            </a:r>
-            <a:endParaRPr lang="en-US" altLang="ko-KR" dirty="0"/>
-          </a:p>
-          <a:p>
-            <a:pPr>
-              <a:lnSpc>
-                <a:spcPct val="150000"/>
-              </a:lnSpc>
-            </a:pPr>
-            <a:r>
-              <a:rPr lang="ko-KR" altLang="en-US" dirty="0"/>
-              <a:t>이벤트</a:t>
-            </a:r>
-            <a:r>
-              <a:rPr lang="en-US" altLang="ko-KR" dirty="0"/>
-              <a:t>: Popcorn</a:t>
-            </a:r>
-          </a:p>
-          <a:p>
-            <a:pPr>
-              <a:lnSpc>
-                <a:spcPct val="150000"/>
-              </a:lnSpc>
-            </a:pPr>
-            <a:r>
-              <a:rPr lang="ko-KR" altLang="en-US" dirty="0"/>
-              <a:t>이벤트</a:t>
-            </a:r>
-            <a:r>
-              <a:rPr lang="en-US" altLang="ko-KR" dirty="0"/>
-              <a:t>: Review</a:t>
-            </a:r>
-            <a:endParaRPr lang="ko-KR" altLang="en-US" dirty="0"/>
-          </a:p>
-        </p:txBody>
-      </p:sp>
+      </p:pic>
     </p:spTree>
     <p:extLst>
       <p:ext uri="{BB962C8B-B14F-4D97-AF65-F5344CB8AC3E}">
-        <p14:creationId xmlns:p14="http://schemas.microsoft.com/office/powerpoint/2010/main" val="1889302972"/>
+        <p14:creationId xmlns:p14="http://schemas.microsoft.com/office/powerpoint/2010/main" val="2999505327"/>
       </p:ext>
     </p:extLst>
   </p:cSld>
@@ -5435,7 +5389,7 @@
           <a:p>
             <a:r>
               <a:rPr lang="ko-KR" altLang="en-US" b="1" dirty="0"/>
-              <a:t>기본 기능 소개</a:t>
+              <a:t>서비스 소개</a:t>
             </a:r>
           </a:p>
         </p:txBody>
@@ -5456,68 +5410,75 @@
             <p:ph idx="1"/>
           </p:nvPr>
         </p:nvSpPr>
-        <p:spPr/>
+        <p:spPr>
+          <a:xfrm>
+            <a:off x="1371600" y="2171700"/>
+            <a:ext cx="9601200" cy="3581400"/>
+          </a:xfrm>
+        </p:spPr>
         <p:txBody>
           <a:bodyPr/>
           <a:lstStyle/>
-          <a:p>
-            <a:r>
-              <a:rPr lang="ko-KR" altLang="en-US" dirty="0"/>
-              <a:t>커뮤니티 기능</a:t>
-            </a:r>
-            <a:endParaRPr lang="en-US" altLang="ko-KR" dirty="0"/>
-          </a:p>
           <a:p>
             <a:pPr>
               <a:lnSpc>
                 <a:spcPct val="150000"/>
               </a:lnSpc>
-              <a:buFontTx/>
-              <a:buChar char="-"/>
             </a:pPr>
-            <a:r>
-              <a:rPr lang="ko-KR" altLang="en-US" dirty="0"/>
-              <a:t>기존 프로젝트의 통합으로 운영되는 하나의 </a:t>
-            </a:r>
             <a:r>
               <a:rPr lang="en-US" altLang="ko-KR" dirty="0"/>
               <a:t>Community</a:t>
             </a:r>
+          </a:p>
+          <a:p>
+            <a:pPr>
+              <a:lnSpc>
+                <a:spcPct val="150000"/>
+              </a:lnSpc>
+            </a:pPr>
             <a:r>
               <a:rPr lang="ko-KR" altLang="en-US" dirty="0"/>
-              <a:t>가 아닌</a:t>
+              <a:t>추천 서비스</a:t>
+            </a:r>
+            <a:endParaRPr lang="en-US" altLang="ko-KR" dirty="0"/>
+          </a:p>
+          <a:p>
+            <a:pPr>
+              <a:lnSpc>
+                <a:spcPct val="150000"/>
+              </a:lnSpc>
+            </a:pPr>
+            <a:r>
+              <a:rPr lang="ko-KR" altLang="en-US" dirty="0"/>
+              <a:t>이벤트</a:t>
             </a:r>
             <a:r>
               <a:rPr lang="en-US" altLang="ko-KR" dirty="0"/>
-              <a:t>, </a:t>
-            </a:r>
+              <a:t>: Popcorn</a:t>
+            </a:r>
+          </a:p>
+          <a:p>
+            <a:pPr>
+              <a:lnSpc>
+                <a:spcPct val="150000"/>
+              </a:lnSpc>
+            </a:pPr>
             <a:r>
               <a:rPr lang="ko-KR" altLang="en-US" dirty="0"/>
-              <a:t>각 영화별로 </a:t>
+              <a:t>이벤트</a:t>
             </a:r>
             <a:r>
               <a:rPr lang="en-US" altLang="ko-KR" dirty="0"/>
-              <a:t>Review</a:t>
-            </a:r>
-            <a:r>
-              <a:rPr lang="ko-KR" altLang="en-US" dirty="0"/>
-              <a:t>를 남길 수 있는 개별 </a:t>
-            </a:r>
-            <a:r>
-              <a:rPr lang="en-US" altLang="ko-KR" dirty="0"/>
-              <a:t>Community </a:t>
-            </a:r>
-            <a:r>
-              <a:rPr lang="ko-KR" altLang="en-US" dirty="0"/>
-              <a:t>구현</a:t>
-            </a:r>
+              <a:t>: Review</a:t>
+            </a:r>
+            <a:endParaRPr lang="ko-KR" altLang="en-US" dirty="0"/>
           </a:p>
         </p:txBody>
       </p:sp>
     </p:spTree>
     <p:extLst>
       <p:ext uri="{BB962C8B-B14F-4D97-AF65-F5344CB8AC3E}">
-        <p14:creationId xmlns:p14="http://schemas.microsoft.com/office/powerpoint/2010/main" val="116259421"/>
+        <p14:creationId xmlns:p14="http://schemas.microsoft.com/office/powerpoint/2010/main" val="1889302972"/>
       </p:ext>
     </p:extLst>
   </p:cSld>
@@ -5567,6 +5528,138 @@
           <a:p>
             <a:r>
               <a:rPr lang="ko-KR" altLang="en-US" b="1" dirty="0"/>
+              <a:t>기본 기능 소개</a:t>
+            </a:r>
+          </a:p>
+        </p:txBody>
+      </p:sp>
+      <p:sp>
+        <p:nvSpPr>
+          <p:cNvPr id="3" name="내용 개체 틀 2">
+            <a:extLst>
+              <a:ext uri="{FF2B5EF4-FFF2-40B4-BE49-F238E27FC236}">
+                <a16:creationId xmlns:a16="http://schemas.microsoft.com/office/drawing/2014/main" id="{3BD8C4BC-3C6B-1923-9E2E-AB7646DCB78D}"/>
+              </a:ext>
+            </a:extLst>
+          </p:cNvPr>
+          <p:cNvSpPr>
+            <a:spLocks noGrp="1"/>
+          </p:cNvSpPr>
+          <p:nvPr>
+            <p:ph idx="1"/>
+          </p:nvPr>
+        </p:nvSpPr>
+        <p:spPr/>
+        <p:txBody>
+          <a:bodyPr/>
+          <a:lstStyle/>
+          <a:p>
+            <a:r>
+              <a:rPr lang="ko-KR" altLang="en-US" dirty="0"/>
+              <a:t>커뮤니티 기능</a:t>
+            </a:r>
+            <a:endParaRPr lang="en-US" altLang="ko-KR" dirty="0"/>
+          </a:p>
+          <a:p>
+            <a:pPr>
+              <a:lnSpc>
+                <a:spcPct val="150000"/>
+              </a:lnSpc>
+              <a:buFontTx/>
+              <a:buChar char="-"/>
+            </a:pPr>
+            <a:r>
+              <a:rPr lang="ko-KR" altLang="en-US" dirty="0"/>
+              <a:t>기존 프로젝트의 통합으로 운영되는 하나의 </a:t>
+            </a:r>
+            <a:r>
+              <a:rPr lang="en-US" altLang="ko-KR" dirty="0"/>
+              <a:t>Community</a:t>
+            </a:r>
+            <a:r>
+              <a:rPr lang="ko-KR" altLang="en-US" dirty="0"/>
+              <a:t>가 아닌</a:t>
+            </a:r>
+            <a:r>
+              <a:rPr lang="en-US" altLang="ko-KR" dirty="0"/>
+              <a:t>, </a:t>
+            </a:r>
+            <a:r>
+              <a:rPr lang="ko-KR" altLang="en-US" dirty="0"/>
+              <a:t>각 영화별로 </a:t>
+            </a:r>
+            <a:r>
+              <a:rPr lang="en-US" altLang="ko-KR" dirty="0"/>
+              <a:t>Review</a:t>
+            </a:r>
+            <a:r>
+              <a:rPr lang="ko-KR" altLang="en-US" dirty="0"/>
+              <a:t>를 남길 수 있는 개별 </a:t>
+            </a:r>
+            <a:r>
+              <a:rPr lang="en-US" altLang="ko-KR" dirty="0"/>
+              <a:t>Community </a:t>
+            </a:r>
+            <a:r>
+              <a:rPr lang="ko-KR" altLang="en-US" dirty="0"/>
+              <a:t>구현</a:t>
+            </a:r>
+          </a:p>
+        </p:txBody>
+      </p:sp>
+    </p:spTree>
+    <p:extLst>
+      <p:ext uri="{BB962C8B-B14F-4D97-AF65-F5344CB8AC3E}">
+        <p14:creationId xmlns:p14="http://schemas.microsoft.com/office/powerpoint/2010/main" val="116259421"/>
+      </p:ext>
+    </p:extLst>
+  </p:cSld>
+  <p:clrMapOvr>
+    <a:masterClrMapping/>
+  </p:clrMapOvr>
+</p:sld>
+</file>
+
+<file path=ppt/slides/slide13.xml><?xml version="1.0" encoding="utf-8"?>
+<p:sld xmlns:a="http://schemas.openxmlformats.org/drawingml/2006/main" xmlns:r="http://schemas.openxmlformats.org/officeDocument/2006/relationships" xmlns:p="http://schemas.openxmlformats.org/presentationml/2006/main">
+  <p:cSld>
+    <p:spTree>
+      <p:nvGrpSpPr>
+        <p:cNvPr id="1" name=""/>
+        <p:cNvGrpSpPr/>
+        <p:nvPr/>
+      </p:nvGrpSpPr>
+      <p:grpSpPr>
+        <a:xfrm>
+          <a:off x="0" y="0"/>
+          <a:ext cx="0" cy="0"/>
+          <a:chOff x="0" y="0"/>
+          <a:chExt cx="0" cy="0"/>
+        </a:xfrm>
+      </p:grpSpPr>
+      <p:sp>
+        <p:nvSpPr>
+          <p:cNvPr id="2" name="제목 1">
+            <a:extLst>
+              <a:ext uri="{FF2B5EF4-FFF2-40B4-BE49-F238E27FC236}">
+                <a16:creationId xmlns:a16="http://schemas.microsoft.com/office/drawing/2014/main" id="{FE0AFC0A-7787-3D62-7DBF-E80A620D9260}"/>
+              </a:ext>
+            </a:extLst>
+          </p:cNvPr>
+          <p:cNvSpPr>
+            <a:spLocks noGrp="1"/>
+          </p:cNvSpPr>
+          <p:nvPr>
+            <p:ph type="title"/>
+          </p:nvPr>
+        </p:nvSpPr>
+        <p:spPr/>
+        <p:txBody>
+          <a:bodyPr/>
+          <a:lstStyle/>
+          <a:p>
+            <a:r>
+              <a:rPr lang="ko-KR" altLang="en-US" b="1" dirty="0"/>
               <a:t>영화 추천 기능</a:t>
             </a:r>
           </a:p>
@@ -5725,7 +5818,7 @@
 </p:sld>
 </file>
 
-<file path=ppt/slides/slide13.xml><?xml version="1.0" encoding="utf-8"?>
+<file path=ppt/slides/slide14.xml><?xml version="1.0" encoding="utf-8"?>
 <p:sld xmlns:a="http://schemas.openxmlformats.org/drawingml/2006/main" xmlns:r="http://schemas.openxmlformats.org/officeDocument/2006/relationships" xmlns:p="http://schemas.openxmlformats.org/presentationml/2006/main">
   <p:cSld>
     <p:spTree>
@@ -6278,138 +6371,6 @@
 </p:sld>
 </file>
 
-<file path=ppt/slides/slide14.xml><?xml version="1.0" encoding="utf-8"?>
-<p:sld xmlns:a="http://schemas.openxmlformats.org/drawingml/2006/main" xmlns:r="http://schemas.openxmlformats.org/officeDocument/2006/relationships" xmlns:p="http://schemas.openxmlformats.org/presentationml/2006/main">
-  <p:cSld>
-    <p:spTree>
-      <p:nvGrpSpPr>
-        <p:cNvPr id="1" name=""/>
-        <p:cNvGrpSpPr/>
-        <p:nvPr/>
-      </p:nvGrpSpPr>
-      <p:grpSpPr>
-        <a:xfrm>
-          <a:off x="0" y="0"/>
-          <a:ext cx="0" cy="0"/>
-          <a:chOff x="0" y="0"/>
-          <a:chExt cx="0" cy="0"/>
-        </a:xfrm>
-      </p:grpSpPr>
-      <p:sp>
-        <p:nvSpPr>
-          <p:cNvPr id="2" name="제목 1">
-            <a:extLst>
-              <a:ext uri="{FF2B5EF4-FFF2-40B4-BE49-F238E27FC236}">
-                <a16:creationId xmlns:a16="http://schemas.microsoft.com/office/drawing/2014/main" id="{CD9E20DA-A96F-10E3-798B-2D389BF851C9}"/>
-              </a:ext>
-            </a:extLst>
-          </p:cNvPr>
-          <p:cNvSpPr>
-            <a:spLocks noGrp="1"/>
-          </p:cNvSpPr>
-          <p:nvPr>
-            <p:ph type="title"/>
-          </p:nvPr>
-        </p:nvSpPr>
-        <p:spPr/>
-        <p:txBody>
-          <a:bodyPr/>
-          <a:lstStyle/>
-          <a:p>
-            <a:r>
-              <a:rPr lang="ko-KR" altLang="en-US" b="1" dirty="0"/>
-              <a:t>이벤트</a:t>
-            </a:r>
-            <a:r>
-              <a:rPr lang="en-US" altLang="ko-KR" b="1" dirty="0"/>
-              <a:t>: Popcorn</a:t>
-            </a:r>
-            <a:endParaRPr lang="ko-KR" altLang="en-US" b="1" dirty="0"/>
-          </a:p>
-        </p:txBody>
-      </p:sp>
-      <p:sp>
-        <p:nvSpPr>
-          <p:cNvPr id="3" name="내용 개체 틀 2">
-            <a:extLst>
-              <a:ext uri="{FF2B5EF4-FFF2-40B4-BE49-F238E27FC236}">
-                <a16:creationId xmlns:a16="http://schemas.microsoft.com/office/drawing/2014/main" id="{894D39EE-8FA8-F4B4-2811-B64796C9ED48}"/>
-              </a:ext>
-            </a:extLst>
-          </p:cNvPr>
-          <p:cNvSpPr>
-            <a:spLocks noGrp="1"/>
-          </p:cNvSpPr>
-          <p:nvPr>
-            <p:ph idx="1"/>
-          </p:nvPr>
-        </p:nvSpPr>
-        <p:spPr/>
-        <p:txBody>
-          <a:bodyPr/>
-          <a:lstStyle/>
-          <a:p>
-            <a:pPr>
-              <a:lnSpc>
-                <a:spcPct val="150000"/>
-              </a:lnSpc>
-            </a:pPr>
-            <a:r>
-              <a:rPr lang="en-US" altLang="ko-KR" dirty="0"/>
-              <a:t>2000</a:t>
-            </a:r>
-            <a:r>
-              <a:rPr lang="ko-KR" altLang="en-US" dirty="0"/>
-              <a:t>원이라는 참가비를 통해 응모할 수 있으며 </a:t>
-            </a:r>
-            <a:r>
-              <a:rPr lang="en-US" altLang="ko-KR" dirty="0"/>
-              <a:t>20%</a:t>
-            </a:r>
-            <a:r>
-              <a:rPr lang="ko-KR" altLang="en-US" dirty="0"/>
-              <a:t>의 확률로 약 </a:t>
-            </a:r>
-            <a:r>
-              <a:rPr lang="en-US" altLang="ko-KR" dirty="0"/>
-              <a:t>10000</a:t>
-            </a:r>
-            <a:r>
-              <a:rPr lang="ko-KR" altLang="en-US" dirty="0"/>
-              <a:t>원 상당의 영화관 팝콘을 받을 수 있는 이벤트</a:t>
-            </a:r>
-            <a:endParaRPr lang="en-US" altLang="ko-KR" dirty="0"/>
-          </a:p>
-          <a:p>
-            <a:pPr>
-              <a:lnSpc>
-                <a:spcPct val="200000"/>
-              </a:lnSpc>
-            </a:pPr>
-            <a:r>
-              <a:rPr lang="ko-KR" altLang="en-US" dirty="0"/>
-              <a:t>마지막으로 당첨자 확인을 한 후 확인하지 못한 참가자들을 위해 지난 이벤트 당첨자를 게시하는 서비스까지 구현</a:t>
-            </a:r>
-            <a:endParaRPr lang="en-US" altLang="ko-KR" dirty="0"/>
-          </a:p>
-          <a:p>
-            <a:endParaRPr lang="ko-KR" altLang="en-US" dirty="0"/>
-          </a:p>
-        </p:txBody>
-      </p:sp>
-    </p:spTree>
-    <p:extLst>
-      <p:ext uri="{BB962C8B-B14F-4D97-AF65-F5344CB8AC3E}">
-        <p14:creationId xmlns:p14="http://schemas.microsoft.com/office/powerpoint/2010/main" val="2369426120"/>
-      </p:ext>
-    </p:extLst>
-  </p:cSld>
-  <p:clrMapOvr>
-    <a:masterClrMapping/>
-  </p:clrMapOvr>
-</p:sld>
-</file>
-
 <file path=ppt/slides/slide15.xml><?xml version="1.0" encoding="utf-8"?>
 <p:sld xmlns:a="http://schemas.openxmlformats.org/drawingml/2006/main" xmlns:r="http://schemas.openxmlformats.org/officeDocument/2006/relationships" xmlns:p="http://schemas.openxmlformats.org/presentationml/2006/main">
   <p:cSld>
@@ -6487,6 +6448,138 @@
               </a:lnSpc>
             </a:pPr>
             <a:r>
+              <a:rPr lang="en-US" altLang="ko-KR" dirty="0"/>
+              <a:t>2000</a:t>
+            </a:r>
+            <a:r>
+              <a:rPr lang="ko-KR" altLang="en-US" dirty="0"/>
+              <a:t>원이라는 참가비를 통해 응모할 수 있으며 </a:t>
+            </a:r>
+            <a:r>
+              <a:rPr lang="en-US" altLang="ko-KR" dirty="0"/>
+              <a:t>20%</a:t>
+            </a:r>
+            <a:r>
+              <a:rPr lang="ko-KR" altLang="en-US" dirty="0"/>
+              <a:t>의 확률로 약 </a:t>
+            </a:r>
+            <a:r>
+              <a:rPr lang="en-US" altLang="ko-KR" dirty="0"/>
+              <a:t>10000</a:t>
+            </a:r>
+            <a:r>
+              <a:rPr lang="ko-KR" altLang="en-US" dirty="0"/>
+              <a:t>원 상당의 영화관 팝콘을 받을 수 있는 이벤트</a:t>
+            </a:r>
+            <a:endParaRPr lang="en-US" altLang="ko-KR" dirty="0"/>
+          </a:p>
+          <a:p>
+            <a:pPr>
+              <a:lnSpc>
+                <a:spcPct val="200000"/>
+              </a:lnSpc>
+            </a:pPr>
+            <a:r>
+              <a:rPr lang="ko-KR" altLang="en-US" dirty="0"/>
+              <a:t>마지막으로 당첨자 확인을 한 후 확인하지 못한 참가자들을 위해 지난 이벤트 당첨자를 게시하는 서비스까지 구현</a:t>
+            </a:r>
+            <a:endParaRPr lang="en-US" altLang="ko-KR" dirty="0"/>
+          </a:p>
+          <a:p>
+            <a:endParaRPr lang="ko-KR" altLang="en-US" dirty="0"/>
+          </a:p>
+        </p:txBody>
+      </p:sp>
+    </p:spTree>
+    <p:extLst>
+      <p:ext uri="{BB962C8B-B14F-4D97-AF65-F5344CB8AC3E}">
+        <p14:creationId xmlns:p14="http://schemas.microsoft.com/office/powerpoint/2010/main" val="2369426120"/>
+      </p:ext>
+    </p:extLst>
+  </p:cSld>
+  <p:clrMapOvr>
+    <a:masterClrMapping/>
+  </p:clrMapOvr>
+</p:sld>
+</file>
+
+<file path=ppt/slides/slide16.xml><?xml version="1.0" encoding="utf-8"?>
+<p:sld xmlns:a="http://schemas.openxmlformats.org/drawingml/2006/main" xmlns:r="http://schemas.openxmlformats.org/officeDocument/2006/relationships" xmlns:p="http://schemas.openxmlformats.org/presentationml/2006/main">
+  <p:cSld>
+    <p:spTree>
+      <p:nvGrpSpPr>
+        <p:cNvPr id="1" name=""/>
+        <p:cNvGrpSpPr/>
+        <p:nvPr/>
+      </p:nvGrpSpPr>
+      <p:grpSpPr>
+        <a:xfrm>
+          <a:off x="0" y="0"/>
+          <a:ext cx="0" cy="0"/>
+          <a:chOff x="0" y="0"/>
+          <a:chExt cx="0" cy="0"/>
+        </a:xfrm>
+      </p:grpSpPr>
+      <p:sp>
+        <p:nvSpPr>
+          <p:cNvPr id="2" name="제목 1">
+            <a:extLst>
+              <a:ext uri="{FF2B5EF4-FFF2-40B4-BE49-F238E27FC236}">
+                <a16:creationId xmlns:a16="http://schemas.microsoft.com/office/drawing/2014/main" id="{CD9E20DA-A96F-10E3-798B-2D389BF851C9}"/>
+              </a:ext>
+            </a:extLst>
+          </p:cNvPr>
+          <p:cNvSpPr>
+            <a:spLocks noGrp="1"/>
+          </p:cNvSpPr>
+          <p:nvPr>
+            <p:ph type="title"/>
+          </p:nvPr>
+        </p:nvSpPr>
+        <p:spPr/>
+        <p:txBody>
+          <a:bodyPr/>
+          <a:lstStyle/>
+          <a:p>
+            <a:r>
+              <a:rPr lang="ko-KR" altLang="en-US" b="1" dirty="0"/>
+              <a:t>이벤트</a:t>
+            </a:r>
+            <a:r>
+              <a:rPr lang="en-US" altLang="ko-KR" b="1" dirty="0"/>
+              <a:t>: Popcorn</a:t>
+            </a:r>
+            <a:endParaRPr lang="ko-KR" altLang="en-US" b="1" dirty="0"/>
+          </a:p>
+        </p:txBody>
+      </p:sp>
+      <p:sp>
+        <p:nvSpPr>
+          <p:cNvPr id="3" name="내용 개체 틀 2">
+            <a:extLst>
+              <a:ext uri="{FF2B5EF4-FFF2-40B4-BE49-F238E27FC236}">
+                <a16:creationId xmlns:a16="http://schemas.microsoft.com/office/drawing/2014/main" id="{894D39EE-8FA8-F4B4-2811-B64796C9ED48}"/>
+              </a:ext>
+            </a:extLst>
+          </p:cNvPr>
+          <p:cNvSpPr>
+            <a:spLocks noGrp="1"/>
+          </p:cNvSpPr>
+          <p:nvPr>
+            <p:ph idx="1"/>
+          </p:nvPr>
+        </p:nvSpPr>
+        <p:spPr/>
+        <p:txBody>
+          <a:bodyPr/>
+          <a:lstStyle/>
+          <a:p>
+            <a:pPr>
+              <a:lnSpc>
+                <a:spcPct val="150000"/>
+              </a:lnSpc>
+            </a:pPr>
+            <a:r>
               <a:rPr lang="ko-KR" altLang="en-US" dirty="0"/>
               <a:t>영화관 팝콘 선판매를 통한 영화관 수익성을 높이는 효과를 기대한 이벤트</a:t>
             </a:r>
@@ -6551,7 +6644,7 @@
 </p:sld>
 </file>
 
-<file path=ppt/slides/slide16.xml><?xml version="1.0" encoding="utf-8"?>
+<file path=ppt/slides/slide17.xml><?xml version="1.0" encoding="utf-8"?>
 <p:sld xmlns:a="http://schemas.openxmlformats.org/drawingml/2006/main" xmlns:r="http://schemas.openxmlformats.org/officeDocument/2006/relationships" xmlns:p="http://schemas.openxmlformats.org/presentationml/2006/main">
   <p:cSld>
     <p:spTree>
@@ -6684,7 +6777,7 @@
 </p:sld>
 </file>
 
-<file path=ppt/slides/slide17.xml><?xml version="1.0" encoding="utf-8"?>
+<file path=ppt/slides/slide18.xml><?xml version="1.0" encoding="utf-8"?>
 <p:sld xmlns:a="http://schemas.openxmlformats.org/drawingml/2006/main" xmlns:r="http://schemas.openxmlformats.org/officeDocument/2006/relationships" xmlns:p="http://schemas.openxmlformats.org/presentationml/2006/main">
   <p:cSld>
     <p:spTree>
@@ -6853,7 +6946,7 @@
 </p:sld>
 </file>
 
-<file path=ppt/slides/slide18.xml><?xml version="1.0" encoding="utf-8"?>
+<file path=ppt/slides/slide19.xml><?xml version="1.0" encoding="utf-8"?>
 <p:sld xmlns:a="http://schemas.openxmlformats.org/drawingml/2006/main" xmlns:r="http://schemas.openxmlformats.org/officeDocument/2006/relationships" xmlns:p="http://schemas.openxmlformats.org/presentationml/2006/main">
   <p:cSld>
     <p:spTree>
@@ -6981,137 +7074,6 @@
 </p:sld>
 </file>
 
-<file path=ppt/slides/slide19.xml><?xml version="1.0" encoding="utf-8"?>
-<p:sld xmlns:a="http://schemas.openxmlformats.org/drawingml/2006/main" xmlns:r="http://schemas.openxmlformats.org/officeDocument/2006/relationships" xmlns:p="http://schemas.openxmlformats.org/presentationml/2006/main">
-  <p:cSld>
-    <p:spTree>
-      <p:nvGrpSpPr>
-        <p:cNvPr id="1" name=""/>
-        <p:cNvGrpSpPr/>
-        <p:nvPr/>
-      </p:nvGrpSpPr>
-      <p:grpSpPr>
-        <a:xfrm>
-          <a:off x="0" y="0"/>
-          <a:ext cx="0" cy="0"/>
-          <a:chOff x="0" y="0"/>
-          <a:chExt cx="0" cy="0"/>
-        </a:xfrm>
-      </p:grpSpPr>
-      <p:sp>
-        <p:nvSpPr>
-          <p:cNvPr id="2" name="제목 1">
-            <a:extLst>
-              <a:ext uri="{FF2B5EF4-FFF2-40B4-BE49-F238E27FC236}">
-                <a16:creationId xmlns:a16="http://schemas.microsoft.com/office/drawing/2014/main" id="{FE0AFC0A-7787-3D62-7DBF-E80A620D9260}"/>
-              </a:ext>
-            </a:extLst>
-          </p:cNvPr>
-          <p:cNvSpPr>
-            <a:spLocks noGrp="1"/>
-          </p:cNvSpPr>
-          <p:nvPr>
-            <p:ph type="title"/>
-          </p:nvPr>
-        </p:nvSpPr>
-        <p:spPr/>
-        <p:txBody>
-          <a:bodyPr/>
-          <a:lstStyle/>
-          <a:p>
-            <a:r>
-              <a:rPr lang="ko-KR" altLang="en-US" b="1" dirty="0"/>
-              <a:t>보완사항</a:t>
-            </a:r>
-          </a:p>
-        </p:txBody>
-      </p:sp>
-      <p:sp>
-        <p:nvSpPr>
-          <p:cNvPr id="3" name="내용 개체 틀 2">
-            <a:extLst>
-              <a:ext uri="{FF2B5EF4-FFF2-40B4-BE49-F238E27FC236}">
-                <a16:creationId xmlns:a16="http://schemas.microsoft.com/office/drawing/2014/main" id="{3BD8C4BC-3C6B-1923-9E2E-AB7646DCB78D}"/>
-              </a:ext>
-            </a:extLst>
-          </p:cNvPr>
-          <p:cNvSpPr>
-            <a:spLocks noGrp="1"/>
-          </p:cNvSpPr>
-          <p:nvPr>
-            <p:ph idx="1"/>
-          </p:nvPr>
-        </p:nvSpPr>
-        <p:spPr/>
-        <p:txBody>
-          <a:bodyPr/>
-          <a:lstStyle/>
-          <a:p>
-            <a:pPr>
-              <a:lnSpc>
-                <a:spcPct val="150000"/>
-              </a:lnSpc>
-            </a:pPr>
-            <a:r>
-              <a:rPr lang="ko-KR" altLang="en-US" dirty="0"/>
-              <a:t>결재시스템 추가</a:t>
-            </a:r>
-            <a:endParaRPr lang="en-US" altLang="ko-KR" dirty="0"/>
-          </a:p>
-          <a:p>
-            <a:pPr>
-              <a:lnSpc>
-                <a:spcPct val="150000"/>
-              </a:lnSpc>
-            </a:pPr>
-            <a:r>
-              <a:rPr lang="ko-KR" altLang="en-US" dirty="0"/>
-              <a:t>각 이벤트에 대한 조금 더 명확한 상황 설정과 디테일</a:t>
-            </a:r>
-            <a:endParaRPr lang="en-US" altLang="ko-KR" dirty="0"/>
-          </a:p>
-          <a:p>
-            <a:pPr>
-              <a:lnSpc>
-                <a:spcPct val="150000"/>
-              </a:lnSpc>
-            </a:pPr>
-            <a:r>
-              <a:rPr lang="ko-KR" altLang="en-US" dirty="0"/>
-              <a:t>초반 설계 시 변수 정의나 작성 원칙을 좀더 명확히 할 것</a:t>
-            </a:r>
-            <a:endParaRPr lang="en-US" altLang="ko-KR" dirty="0"/>
-          </a:p>
-          <a:p>
-            <a:pPr>
-              <a:lnSpc>
-                <a:spcPct val="150000"/>
-              </a:lnSpc>
-            </a:pPr>
-            <a:r>
-              <a:rPr lang="en-US" altLang="ko-KR" dirty="0"/>
-              <a:t>Git</a:t>
-            </a:r>
-            <a:r>
-              <a:rPr lang="ko-KR" altLang="en-US" dirty="0"/>
-              <a:t> 활용에 대한 학습과 이해도</a:t>
-            </a:r>
-          </a:p>
-        </p:txBody>
-      </p:sp>
-    </p:spTree>
-    <p:extLst>
-      <p:ext uri="{BB962C8B-B14F-4D97-AF65-F5344CB8AC3E}">
-        <p14:creationId xmlns:p14="http://schemas.microsoft.com/office/powerpoint/2010/main" val="3491985157"/>
-      </p:ext>
-    </p:extLst>
-  </p:cSld>
-  <p:clrMapOvr>
-    <a:masterClrMapping/>
-  </p:clrMapOvr>
-</p:sld>
-</file>
-
 <file path=ppt/slides/slide2.xml><?xml version="1.0" encoding="utf-8"?>
 <p:sld xmlns:a="http://schemas.openxmlformats.org/drawingml/2006/main" xmlns:r="http://schemas.openxmlformats.org/officeDocument/2006/relationships" xmlns:p="http://schemas.openxmlformats.org/presentationml/2006/main">
   <p:cSld>
@@ -7254,6 +7216,137 @@
 </file>
 
 <file path=ppt/slides/slide20.xml><?xml version="1.0" encoding="utf-8"?>
+<p:sld xmlns:a="http://schemas.openxmlformats.org/drawingml/2006/main" xmlns:r="http://schemas.openxmlformats.org/officeDocument/2006/relationships" xmlns:p="http://schemas.openxmlformats.org/presentationml/2006/main">
+  <p:cSld>
+    <p:spTree>
+      <p:nvGrpSpPr>
+        <p:cNvPr id="1" name=""/>
+        <p:cNvGrpSpPr/>
+        <p:nvPr/>
+      </p:nvGrpSpPr>
+      <p:grpSpPr>
+        <a:xfrm>
+          <a:off x="0" y="0"/>
+          <a:ext cx="0" cy="0"/>
+          <a:chOff x="0" y="0"/>
+          <a:chExt cx="0" cy="0"/>
+        </a:xfrm>
+      </p:grpSpPr>
+      <p:sp>
+        <p:nvSpPr>
+          <p:cNvPr id="2" name="제목 1">
+            <a:extLst>
+              <a:ext uri="{FF2B5EF4-FFF2-40B4-BE49-F238E27FC236}">
+                <a16:creationId xmlns:a16="http://schemas.microsoft.com/office/drawing/2014/main" id="{FE0AFC0A-7787-3D62-7DBF-E80A620D9260}"/>
+              </a:ext>
+            </a:extLst>
+          </p:cNvPr>
+          <p:cNvSpPr>
+            <a:spLocks noGrp="1"/>
+          </p:cNvSpPr>
+          <p:nvPr>
+            <p:ph type="title"/>
+          </p:nvPr>
+        </p:nvSpPr>
+        <p:spPr/>
+        <p:txBody>
+          <a:bodyPr/>
+          <a:lstStyle/>
+          <a:p>
+            <a:r>
+              <a:rPr lang="ko-KR" altLang="en-US" b="1" dirty="0"/>
+              <a:t>보완사항</a:t>
+            </a:r>
+          </a:p>
+        </p:txBody>
+      </p:sp>
+      <p:sp>
+        <p:nvSpPr>
+          <p:cNvPr id="3" name="내용 개체 틀 2">
+            <a:extLst>
+              <a:ext uri="{FF2B5EF4-FFF2-40B4-BE49-F238E27FC236}">
+                <a16:creationId xmlns:a16="http://schemas.microsoft.com/office/drawing/2014/main" id="{3BD8C4BC-3C6B-1923-9E2E-AB7646DCB78D}"/>
+              </a:ext>
+            </a:extLst>
+          </p:cNvPr>
+          <p:cNvSpPr>
+            <a:spLocks noGrp="1"/>
+          </p:cNvSpPr>
+          <p:nvPr>
+            <p:ph idx="1"/>
+          </p:nvPr>
+        </p:nvSpPr>
+        <p:spPr/>
+        <p:txBody>
+          <a:bodyPr/>
+          <a:lstStyle/>
+          <a:p>
+            <a:pPr>
+              <a:lnSpc>
+                <a:spcPct val="150000"/>
+              </a:lnSpc>
+            </a:pPr>
+            <a:r>
+              <a:rPr lang="ko-KR" altLang="en-US" dirty="0"/>
+              <a:t>결재시스템 추가</a:t>
+            </a:r>
+            <a:endParaRPr lang="en-US" altLang="ko-KR" dirty="0"/>
+          </a:p>
+          <a:p>
+            <a:pPr>
+              <a:lnSpc>
+                <a:spcPct val="150000"/>
+              </a:lnSpc>
+            </a:pPr>
+            <a:r>
+              <a:rPr lang="ko-KR" altLang="en-US" dirty="0"/>
+              <a:t>각 이벤트에 대한 조금 더 명확한 상황 설정과 디테일</a:t>
+            </a:r>
+            <a:endParaRPr lang="en-US" altLang="ko-KR" dirty="0"/>
+          </a:p>
+          <a:p>
+            <a:pPr>
+              <a:lnSpc>
+                <a:spcPct val="150000"/>
+              </a:lnSpc>
+            </a:pPr>
+            <a:r>
+              <a:rPr lang="ko-KR" altLang="en-US" dirty="0"/>
+              <a:t>초반 설계 시 변수 정의나 작성 원칙을 좀더 명확히 할 것</a:t>
+            </a:r>
+            <a:endParaRPr lang="en-US" altLang="ko-KR" dirty="0"/>
+          </a:p>
+          <a:p>
+            <a:pPr>
+              <a:lnSpc>
+                <a:spcPct val="150000"/>
+              </a:lnSpc>
+            </a:pPr>
+            <a:r>
+              <a:rPr lang="en-US" altLang="ko-KR" dirty="0"/>
+              <a:t>Git</a:t>
+            </a:r>
+            <a:r>
+              <a:rPr lang="ko-KR" altLang="en-US" dirty="0"/>
+              <a:t> 활용에 대한 학습과 이해도</a:t>
+            </a:r>
+          </a:p>
+        </p:txBody>
+      </p:sp>
+    </p:spTree>
+    <p:extLst>
+      <p:ext uri="{BB962C8B-B14F-4D97-AF65-F5344CB8AC3E}">
+        <p14:creationId xmlns:p14="http://schemas.microsoft.com/office/powerpoint/2010/main" val="3491985157"/>
+      </p:ext>
+    </p:extLst>
+  </p:cSld>
+  <p:clrMapOvr>
+    <a:masterClrMapping/>
+  </p:clrMapOvr>
+</p:sld>
+</file>
+
+<file path=ppt/slides/slide21.xml><?xml version="1.0" encoding="utf-8"?>
 <p:sld xmlns:a="http://schemas.openxmlformats.org/drawingml/2006/main" xmlns:r="http://schemas.openxmlformats.org/officeDocument/2006/relationships" xmlns:p="http://schemas.openxmlformats.org/presentationml/2006/main">
   <p:cSld>
     <p:spTree>
@@ -7740,6 +7833,170 @@
           <p:cNvPr id="2" name="제목 1">
             <a:extLst>
               <a:ext uri="{FF2B5EF4-FFF2-40B4-BE49-F238E27FC236}">
+                <a16:creationId xmlns:a16="http://schemas.microsoft.com/office/drawing/2014/main" id="{F6185086-A164-105F-5B6E-1B4CE15D5FC3}"/>
+              </a:ext>
+            </a:extLst>
+          </p:cNvPr>
+          <p:cNvSpPr>
+            <a:spLocks noGrp="1"/>
+          </p:cNvSpPr>
+          <p:nvPr>
+            <p:ph type="title"/>
+          </p:nvPr>
+        </p:nvSpPr>
+        <p:spPr/>
+        <p:txBody>
+          <a:bodyPr/>
+          <a:lstStyle/>
+          <a:p>
+            <a:r>
+              <a:rPr lang="ko-KR" altLang="en-US" b="1" dirty="0"/>
+              <a:t>개요</a:t>
+            </a:r>
+          </a:p>
+        </p:txBody>
+      </p:sp>
+      <p:sp>
+        <p:nvSpPr>
+          <p:cNvPr id="3" name="내용 개체 틀 2">
+            <a:extLst>
+              <a:ext uri="{FF2B5EF4-FFF2-40B4-BE49-F238E27FC236}">
+                <a16:creationId xmlns:a16="http://schemas.microsoft.com/office/drawing/2014/main" id="{C3C02928-09B4-8D08-74CA-BE72A87D3489}"/>
+              </a:ext>
+            </a:extLst>
+          </p:cNvPr>
+          <p:cNvSpPr>
+            <a:spLocks noGrp="1"/>
+          </p:cNvSpPr>
+          <p:nvPr>
+            <p:ph idx="1"/>
+          </p:nvPr>
+        </p:nvSpPr>
+        <p:spPr>
+          <a:xfrm>
+            <a:off x="1371600" y="2320505"/>
+            <a:ext cx="9601200" cy="3581400"/>
+          </a:xfrm>
+        </p:spPr>
+        <p:txBody>
+          <a:bodyPr/>
+          <a:lstStyle/>
+          <a:p>
+            <a:r>
+              <a:rPr lang="ko-KR" altLang="en-US" dirty="0"/>
+              <a:t>활용 기술 스택</a:t>
+            </a:r>
+            <a:r>
+              <a:rPr lang="en-US" altLang="ko-KR" dirty="0"/>
+              <a:t>: </a:t>
+            </a:r>
+          </a:p>
+          <a:p>
+            <a:pPr lvl="1"/>
+            <a:r>
+              <a:rPr lang="en-US" altLang="ko-KR" i="0" dirty="0"/>
+              <a:t>Back:</a:t>
+            </a:r>
+            <a:r>
+              <a:rPr lang="ko-KR" altLang="en-US" i="0" dirty="0"/>
+              <a:t> </a:t>
+            </a:r>
+            <a:r>
+              <a:rPr lang="en-US" altLang="ko-KR" i="0" dirty="0"/>
+              <a:t>Django</a:t>
+            </a:r>
+          </a:p>
+          <a:p>
+            <a:pPr lvl="1"/>
+            <a:r>
+              <a:rPr lang="en-US" altLang="ko-KR" i="0" dirty="0"/>
+              <a:t>Front: Vue, </a:t>
+            </a:r>
+            <a:r>
+              <a:rPr lang="en-US" altLang="ko-KR" i="0" dirty="0" err="1"/>
+              <a:t>vuex</a:t>
+            </a:r>
+            <a:endParaRPr lang="en-US" altLang="ko-KR" i="0" dirty="0"/>
+          </a:p>
+          <a:p>
+            <a:endParaRPr lang="en-US" altLang="ko-KR" dirty="0"/>
+          </a:p>
+          <a:p>
+            <a:r>
+              <a:rPr lang="ko-KR" altLang="en-US" dirty="0"/>
+              <a:t>역할 분담</a:t>
+            </a:r>
+            <a:endParaRPr lang="en-US" altLang="ko-KR" dirty="0"/>
+          </a:p>
+          <a:p>
+            <a:pPr lvl="1"/>
+            <a:r>
+              <a:rPr lang="ko-KR" altLang="en-US" i="0" dirty="0" err="1"/>
+              <a:t>이규민</a:t>
+            </a:r>
+            <a:r>
+              <a:rPr lang="en-US" altLang="ko-KR" i="0" dirty="0"/>
+              <a:t>: front &amp; Design</a:t>
+            </a:r>
+          </a:p>
+          <a:p>
+            <a:pPr lvl="1"/>
+            <a:r>
+              <a:rPr lang="ko-KR" altLang="en-US" i="0" dirty="0"/>
+              <a:t>정승윤</a:t>
+            </a:r>
+            <a:r>
+              <a:rPr lang="en-US" altLang="ko-KR" i="0" dirty="0"/>
+              <a:t>: Back &amp; Front</a:t>
+            </a:r>
+          </a:p>
+          <a:p>
+            <a:pPr marL="530352" lvl="1" indent="0">
+              <a:buNone/>
+            </a:pPr>
+            <a:endParaRPr lang="en-US" altLang="ko-KR" dirty="0"/>
+          </a:p>
+          <a:p>
+            <a:pPr lvl="1"/>
+            <a:endParaRPr lang="en-US" altLang="ko-KR" dirty="0"/>
+          </a:p>
+        </p:txBody>
+      </p:sp>
+    </p:spTree>
+    <p:extLst>
+      <p:ext uri="{BB962C8B-B14F-4D97-AF65-F5344CB8AC3E}">
+        <p14:creationId xmlns:p14="http://schemas.microsoft.com/office/powerpoint/2010/main" val="2078647844"/>
+      </p:ext>
+    </p:extLst>
+  </p:cSld>
+  <p:clrMapOvr>
+    <a:masterClrMapping/>
+  </p:clrMapOvr>
+</p:sld>
+</file>
+
+<file path=ppt/slides/slide6.xml><?xml version="1.0" encoding="utf-8"?>
+<p:sld xmlns:a="http://schemas.openxmlformats.org/drawingml/2006/main" xmlns:r="http://schemas.openxmlformats.org/officeDocument/2006/relationships" xmlns:p="http://schemas.openxmlformats.org/presentationml/2006/main">
+  <p:cSld>
+    <p:spTree>
+      <p:nvGrpSpPr>
+        <p:cNvPr id="1" name=""/>
+        <p:cNvGrpSpPr/>
+        <p:nvPr/>
+      </p:nvGrpSpPr>
+      <p:grpSpPr>
+        <a:xfrm>
+          <a:off x="0" y="0"/>
+          <a:ext cx="0" cy="0"/>
+          <a:chOff x="0" y="0"/>
+          <a:chExt cx="0" cy="0"/>
+        </a:xfrm>
+      </p:grpSpPr>
+      <p:sp>
+        <p:nvSpPr>
+          <p:cNvPr id="2" name="제목 1">
+            <a:extLst>
+              <a:ext uri="{FF2B5EF4-FFF2-40B4-BE49-F238E27FC236}">
                 <a16:creationId xmlns:a16="http://schemas.microsoft.com/office/drawing/2014/main" id="{FE0AFC0A-7787-3D62-7DBF-E80A620D9260}"/>
               </a:ext>
             </a:extLst>
@@ -7807,7 +8064,7 @@
 </p:sld>
 </file>
 
-<file path=ppt/slides/slide6.xml><?xml version="1.0" encoding="utf-8"?>
+<file path=ppt/slides/slide7.xml><?xml version="1.0" encoding="utf-8"?>
 <p:sld xmlns:a="http://schemas.openxmlformats.org/drawingml/2006/main" xmlns:r="http://schemas.openxmlformats.org/officeDocument/2006/relationships" xmlns:p="http://schemas.openxmlformats.org/presentationml/2006/main">
   <p:cSld>
     <p:spTree>
@@ -7951,7 +8208,7 @@
 </p:sld>
 </file>
 
-<file path=ppt/slides/slide7.xml><?xml version="1.0" encoding="utf-8"?>
+<file path=ppt/slides/slide8.xml><?xml version="1.0" encoding="utf-8"?>
 <p:sld xmlns:a="http://schemas.openxmlformats.org/drawingml/2006/main" xmlns:r="http://schemas.openxmlformats.org/officeDocument/2006/relationships" xmlns:p="http://schemas.openxmlformats.org/presentationml/2006/main">
   <p:cSld>
     <p:spTree>
@@ -8086,7 +8343,7 @@
 </p:sld>
 </file>
 
-<file path=ppt/slides/slide8.xml><?xml version="1.0" encoding="utf-8"?>
+<file path=ppt/slides/slide9.xml><?xml version="1.0" encoding="utf-8"?>
 <p:sld xmlns:a="http://schemas.openxmlformats.org/drawingml/2006/main" xmlns:r="http://schemas.openxmlformats.org/officeDocument/2006/relationships" xmlns:p="http://schemas.openxmlformats.org/presentationml/2006/main">
   <p:cSld>
     <p:spTree>
@@ -8424,98 +8681,6 @@
     <p:extLst>
       <p:ext uri="{BB962C8B-B14F-4D97-AF65-F5344CB8AC3E}">
         <p14:creationId xmlns:p14="http://schemas.microsoft.com/office/powerpoint/2010/main" val="1414489267"/>
-      </p:ext>
-    </p:extLst>
-  </p:cSld>
-  <p:clrMapOvr>
-    <a:masterClrMapping/>
-  </p:clrMapOvr>
-</p:sld>
-</file>
-
-<file path=ppt/slides/slide9.xml><?xml version="1.0" encoding="utf-8"?>
-<p:sld xmlns:a="http://schemas.openxmlformats.org/drawingml/2006/main" xmlns:r="http://schemas.openxmlformats.org/officeDocument/2006/relationships" xmlns:p="http://schemas.openxmlformats.org/presentationml/2006/main">
-  <p:cSld>
-    <p:spTree>
-      <p:nvGrpSpPr>
-        <p:cNvPr id="1" name=""/>
-        <p:cNvGrpSpPr/>
-        <p:nvPr/>
-      </p:nvGrpSpPr>
-      <p:grpSpPr>
-        <a:xfrm>
-          <a:off x="0" y="0"/>
-          <a:ext cx="0" cy="0"/>
-          <a:chOff x="0" y="0"/>
-          <a:chExt cx="0" cy="0"/>
-        </a:xfrm>
-      </p:grpSpPr>
-      <p:sp>
-        <p:nvSpPr>
-          <p:cNvPr id="2" name="제목 1">
-            <a:extLst>
-              <a:ext uri="{FF2B5EF4-FFF2-40B4-BE49-F238E27FC236}">
-                <a16:creationId xmlns:a16="http://schemas.microsoft.com/office/drawing/2014/main" id="{FE0AFC0A-7787-3D62-7DBF-E80A620D9260}"/>
-              </a:ext>
-            </a:extLst>
-          </p:cNvPr>
-          <p:cNvSpPr>
-            <a:spLocks noGrp="1"/>
-          </p:cNvSpPr>
-          <p:nvPr>
-            <p:ph type="title"/>
-          </p:nvPr>
-        </p:nvSpPr>
-        <p:spPr/>
-        <p:txBody>
-          <a:bodyPr/>
-          <a:lstStyle/>
-          <a:p>
-            <a:r>
-              <a:rPr lang="en-US" altLang="ko-KR" b="1" dirty="0"/>
-              <a:t>Vue </a:t>
-            </a:r>
-            <a:r>
-              <a:rPr lang="ko-KR" altLang="en-US" b="1" dirty="0"/>
-              <a:t>컴포넌트 구성</a:t>
-            </a:r>
-          </a:p>
-        </p:txBody>
-      </p:sp>
-      <p:pic>
-        <p:nvPicPr>
-          <p:cNvPr id="7" name="그림 6">
-            <a:extLst>
-              <a:ext uri="{FF2B5EF4-FFF2-40B4-BE49-F238E27FC236}">
-                <a16:creationId xmlns:a16="http://schemas.microsoft.com/office/drawing/2014/main" id="{73EACDD4-2F76-7109-3D7A-060655DC2A95}"/>
-              </a:ext>
-            </a:extLst>
-          </p:cNvPr>
-          <p:cNvPicPr>
-            <a:picLocks noChangeAspect="1"/>
-          </p:cNvPicPr>
-          <p:nvPr/>
-        </p:nvPicPr>
-        <p:blipFill>
-          <a:blip r:embed="rId2"/>
-          <a:stretch>
-            <a:fillRect/>
-          </a:stretch>
-        </p:blipFill>
-        <p:spPr>
-          <a:xfrm>
-            <a:off x="1371600" y="1428750"/>
-            <a:ext cx="6217660" cy="4804555"/>
-          </a:xfrm>
-          <a:prstGeom prst="rect">
-            <a:avLst/>
-          </a:prstGeom>
-        </p:spPr>
-      </p:pic>
-    </p:spTree>
-    <p:extLst>
-      <p:ext uri="{BB962C8B-B14F-4D97-AF65-F5344CB8AC3E}">
-        <p14:creationId xmlns:p14="http://schemas.microsoft.com/office/powerpoint/2010/main" val="2999505327"/>
       </p:ext>
     </p:extLst>
   </p:cSld>
